--- a/template.pptx
+++ b/template.pptx
@@ -104,6 +104,11 @@
       </a:defRPr>
     </a:lvl9pPr>
   </p:defaultTextStyle>
+  <p:extLst>
+    <p:ext uri="{EFAFB233-063F-42B5-8137-9DF3F51BA10A}">
+      <p15:sldGuideLst xmlns:p15="http://schemas.microsoft.com/office/powerpoint/2012/main"/>
+    </p:ext>
+  </p:extLst>
 </p:presentation>
 </file>
 
@@ -3723,7 +3728,7 @@
           <p:nvPr>
             <p:extLst>
               <p:ext uri="{D42A27DB-BD31-4B8C-83A1-F6EECF244321}">
-                <p14:modId xmlns:p14="http://schemas.microsoft.com/office/powerpoint/2010/main" val="4197554224"/>
+                <p14:modId xmlns:p14="http://schemas.microsoft.com/office/powerpoint/2010/main" val="304853891"/>
               </p:ext>
             </p:extLst>
           </p:nvPr>
@@ -4336,7 +4341,7 @@
           <p:nvPr>
             <p:extLst>
               <p:ext uri="{D42A27DB-BD31-4B8C-83A1-F6EECF244321}">
-                <p14:modId xmlns:p14="http://schemas.microsoft.com/office/powerpoint/2010/main" val="392550441"/>
+                <p14:modId xmlns:p14="http://schemas.microsoft.com/office/powerpoint/2010/main" val="3290245568"/>
               </p:ext>
             </p:extLst>
           </p:nvPr>
@@ -4427,7 +4432,7 @@
                       <a:pPr algn="l">
                         <a:defRPr/>
                       </a:pPr>
-                      <a:endParaRPr lang="en-US" sz="1100"/>
+                      <a:endParaRPr lang="en-US" sz="1100" dirty="0"/>
                     </a:p>
                   </a:txBody>
                   <a:tcPr>
